--- a/Hibernia College Onsite 5.pptx
+++ b/Hibernia College Onsite 5.pptx
@@ -301,7 +301,7 @@
           <a:p>
             <a:fld id="{C90C4ECE-A5B1-4DC4-8577-293F18179F64}" type="datetimeFigureOut">
               <a:rPr lang="en-IE" smtClean="0"/>
-              <a:t>06/04/2013</a:t>
+              <a:t>18/11/2015</a:t>
             </a:fld>
             <a:endParaRPr lang="en-IE"/>
           </a:p>
@@ -471,7 +471,7 @@
           <a:p>
             <a:fld id="{C90C4ECE-A5B1-4DC4-8577-293F18179F64}" type="datetimeFigureOut">
               <a:rPr lang="en-IE" smtClean="0"/>
-              <a:t>06/04/2013</a:t>
+              <a:t>18/11/2015</a:t>
             </a:fld>
             <a:endParaRPr lang="en-IE"/>
           </a:p>
@@ -651,7 +651,7 @@
           <a:p>
             <a:fld id="{C90C4ECE-A5B1-4DC4-8577-293F18179F64}" type="datetimeFigureOut">
               <a:rPr lang="en-IE" smtClean="0"/>
-              <a:t>06/04/2013</a:t>
+              <a:t>18/11/2015</a:t>
             </a:fld>
             <a:endParaRPr lang="en-IE"/>
           </a:p>
@@ -821,7 +821,7 @@
           <a:p>
             <a:fld id="{C90C4ECE-A5B1-4DC4-8577-293F18179F64}" type="datetimeFigureOut">
               <a:rPr lang="en-IE" smtClean="0"/>
-              <a:t>06/04/2013</a:t>
+              <a:t>18/11/2015</a:t>
             </a:fld>
             <a:endParaRPr lang="en-IE"/>
           </a:p>
@@ -1067,7 +1067,7 @@
           <a:p>
             <a:fld id="{C90C4ECE-A5B1-4DC4-8577-293F18179F64}" type="datetimeFigureOut">
               <a:rPr lang="en-IE" smtClean="0"/>
-              <a:t>06/04/2013</a:t>
+              <a:t>18/11/2015</a:t>
             </a:fld>
             <a:endParaRPr lang="en-IE"/>
           </a:p>
@@ -1355,7 +1355,7 @@
           <a:p>
             <a:fld id="{C90C4ECE-A5B1-4DC4-8577-293F18179F64}" type="datetimeFigureOut">
               <a:rPr lang="en-IE" smtClean="0"/>
-              <a:t>06/04/2013</a:t>
+              <a:t>18/11/2015</a:t>
             </a:fld>
             <a:endParaRPr lang="en-IE"/>
           </a:p>
@@ -1777,7 +1777,7 @@
           <a:p>
             <a:fld id="{C90C4ECE-A5B1-4DC4-8577-293F18179F64}" type="datetimeFigureOut">
               <a:rPr lang="en-IE" smtClean="0"/>
-              <a:t>06/04/2013</a:t>
+              <a:t>18/11/2015</a:t>
             </a:fld>
             <a:endParaRPr lang="en-IE"/>
           </a:p>
@@ -1895,7 +1895,7 @@
           <a:p>
             <a:fld id="{C90C4ECE-A5B1-4DC4-8577-293F18179F64}" type="datetimeFigureOut">
               <a:rPr lang="en-IE" smtClean="0"/>
-              <a:t>06/04/2013</a:t>
+              <a:t>18/11/2015</a:t>
             </a:fld>
             <a:endParaRPr lang="en-IE"/>
           </a:p>
@@ -1990,7 +1990,7 @@
           <a:p>
             <a:fld id="{C90C4ECE-A5B1-4DC4-8577-293F18179F64}" type="datetimeFigureOut">
               <a:rPr lang="en-IE" smtClean="0"/>
-              <a:t>06/04/2013</a:t>
+              <a:t>18/11/2015</a:t>
             </a:fld>
             <a:endParaRPr lang="en-IE"/>
           </a:p>
@@ -2267,7 +2267,7 @@
           <a:p>
             <a:fld id="{C90C4ECE-A5B1-4DC4-8577-293F18179F64}" type="datetimeFigureOut">
               <a:rPr lang="en-IE" smtClean="0"/>
-              <a:t>06/04/2013</a:t>
+              <a:t>18/11/2015</a:t>
             </a:fld>
             <a:endParaRPr lang="en-IE"/>
           </a:p>
@@ -2520,7 +2520,7 @@
           <a:p>
             <a:fld id="{C90C4ECE-A5B1-4DC4-8577-293F18179F64}" type="datetimeFigureOut">
               <a:rPr lang="en-IE" smtClean="0"/>
-              <a:t>06/04/2013</a:t>
+              <a:t>18/11/2015</a:t>
             </a:fld>
             <a:endParaRPr lang="en-IE"/>
           </a:p>
@@ -2733,7 +2733,7 @@
           <a:p>
             <a:fld id="{C90C4ECE-A5B1-4DC4-8577-293F18179F64}" type="datetimeFigureOut">
               <a:rPr lang="en-IE" smtClean="0"/>
-              <a:t>06/04/2013</a:t>
+              <a:t>18/11/2015</a:t>
             </a:fld>
             <a:endParaRPr lang="en-IE"/>
           </a:p>
@@ -5005,12 +5005,12 @@
           </a:p>
           <a:p>
             <a:r>
-              <a:rPr lang="en-IE" dirty="0" err="1" smtClean="0"/>
-              <a:t>Combinbations</a:t>
-            </a:r>
-            <a:r>
               <a:rPr lang="en-IE" dirty="0" smtClean="0"/>
-              <a:t>  - how many ways</a:t>
+              <a:t>Combinations  </a:t>
+            </a:r>
+            <a:r>
+              <a:rPr lang="en-IE" dirty="0" smtClean="0"/>
+              <a:t>- how many ways</a:t>
             </a:r>
           </a:p>
           <a:p>
@@ -5338,29 +5338,9 @@
               <a:t>Number of </a:t>
             </a:r>
             <a:r>
-              <a:rPr lang="en-IE" dirty="0" err="1" smtClean="0"/>
-              <a:t>permuations</a:t>
-            </a:r>
-            <a:r>
               <a:rPr lang="en-IE" dirty="0" smtClean="0"/>
-              <a:t> </a:t>
-            </a:r>
-            <a:r>
-              <a:rPr lang="en-IE" dirty="0" err="1" smtClean="0"/>
-              <a:t>n</a:t>
-            </a:r>
-            <a:r>
-              <a:rPr lang="en-IE" baseline="30000" dirty="0" err="1" smtClean="0"/>
-              <a:t>n</a:t>
-            </a:r>
-            <a:endParaRPr lang="en-IE" baseline="30000" dirty="0" smtClean="0"/>
-          </a:p>
-          <a:p>
-            <a:r>
-              <a:rPr lang="en-IE" dirty="0" smtClean="0"/>
-              <a:t>Little practical use for this. not part of course</a:t>
-            </a:r>
-            <a:endParaRPr lang="en-IE" baseline="30000" dirty="0"/>
+              <a:t>permutations </a:t>
+            </a:r>
           </a:p>
         </p:txBody>
       </p:sp>
@@ -5546,12 +5526,8 @@
               <a:buNone/>
             </a:pPr>
             <a:r>
-              <a:rPr lang="en-IE" smtClean="0"/>
-              <a:t>First consider : Are </a:t>
-            </a:r>
-            <a:r>
               <a:rPr lang="en-IE" dirty="0" smtClean="0"/>
-              <a:t>events independent?</a:t>
+              <a:t>First consider : Are events independent?</a:t>
             </a:r>
           </a:p>
           <a:p>
